--- a/docs/Surfacescoverage_UVvis.pptx
+++ b/docs/Surfacescoverage_UVvis.pptx
@@ -257,7 +257,7 @@
           <a:p>
             <a:fld id="{646163D0-A49E-4325-992D-E5C25FCE4570}" type="datetimeFigureOut">
               <a:rPr lang="es-ES" smtClean="0"/>
-              <a:t>18/2/22</a:t>
+              <a:t>21/2/22</a:t>
             </a:fld>
             <a:endParaRPr lang="es-ES"/>
           </a:p>
@@ -425,7 +425,7 @@
           <a:p>
             <a:fld id="{646163D0-A49E-4325-992D-E5C25FCE4570}" type="datetimeFigureOut">
               <a:rPr lang="es-ES" smtClean="0"/>
-              <a:t>18/2/22</a:t>
+              <a:t>21/2/22</a:t>
             </a:fld>
             <a:endParaRPr lang="es-ES"/>
           </a:p>
@@ -603,7 +603,7 @@
           <a:p>
             <a:fld id="{646163D0-A49E-4325-992D-E5C25FCE4570}" type="datetimeFigureOut">
               <a:rPr lang="es-ES" smtClean="0"/>
-              <a:t>18/2/22</a:t>
+              <a:t>21/2/22</a:t>
             </a:fld>
             <a:endParaRPr lang="es-ES"/>
           </a:p>
@@ -771,7 +771,7 @@
           <a:p>
             <a:fld id="{646163D0-A49E-4325-992D-E5C25FCE4570}" type="datetimeFigureOut">
               <a:rPr lang="es-ES" smtClean="0"/>
-              <a:t>18/2/22</a:t>
+              <a:t>21/2/22</a:t>
             </a:fld>
             <a:endParaRPr lang="es-ES"/>
           </a:p>
@@ -1016,7 +1016,7 @@
           <a:p>
             <a:fld id="{646163D0-A49E-4325-992D-E5C25FCE4570}" type="datetimeFigureOut">
               <a:rPr lang="es-ES" smtClean="0"/>
-              <a:t>18/2/22</a:t>
+              <a:t>21/2/22</a:t>
             </a:fld>
             <a:endParaRPr lang="es-ES"/>
           </a:p>
@@ -1245,7 +1245,7 @@
           <a:p>
             <a:fld id="{646163D0-A49E-4325-992D-E5C25FCE4570}" type="datetimeFigureOut">
               <a:rPr lang="es-ES" smtClean="0"/>
-              <a:t>18/2/22</a:t>
+              <a:t>21/2/22</a:t>
             </a:fld>
             <a:endParaRPr lang="es-ES"/>
           </a:p>
@@ -1609,7 +1609,7 @@
           <a:p>
             <a:fld id="{646163D0-A49E-4325-992D-E5C25FCE4570}" type="datetimeFigureOut">
               <a:rPr lang="es-ES" smtClean="0"/>
-              <a:t>18/2/22</a:t>
+              <a:t>21/2/22</a:t>
             </a:fld>
             <a:endParaRPr lang="es-ES"/>
           </a:p>
@@ -1726,7 +1726,7 @@
           <a:p>
             <a:fld id="{646163D0-A49E-4325-992D-E5C25FCE4570}" type="datetimeFigureOut">
               <a:rPr lang="es-ES" smtClean="0"/>
-              <a:t>18/2/22</a:t>
+              <a:t>21/2/22</a:t>
             </a:fld>
             <a:endParaRPr lang="es-ES"/>
           </a:p>
@@ -1821,7 +1821,7 @@
           <a:p>
             <a:fld id="{646163D0-A49E-4325-992D-E5C25FCE4570}" type="datetimeFigureOut">
               <a:rPr lang="es-ES" smtClean="0"/>
-              <a:t>18/2/22</a:t>
+              <a:t>21/2/22</a:t>
             </a:fld>
             <a:endParaRPr lang="es-ES"/>
           </a:p>
@@ -2096,7 +2096,7 @@
           <a:p>
             <a:fld id="{646163D0-A49E-4325-992D-E5C25FCE4570}" type="datetimeFigureOut">
               <a:rPr lang="es-ES" smtClean="0"/>
-              <a:t>18/2/22</a:t>
+              <a:t>21/2/22</a:t>
             </a:fld>
             <a:endParaRPr lang="es-ES"/>
           </a:p>
@@ -2348,7 +2348,7 @@
           <a:p>
             <a:fld id="{646163D0-A49E-4325-992D-E5C25FCE4570}" type="datetimeFigureOut">
               <a:rPr lang="es-ES" smtClean="0"/>
-              <a:t>18/2/22</a:t>
+              <a:t>21/2/22</a:t>
             </a:fld>
             <a:endParaRPr lang="es-ES"/>
           </a:p>
@@ -2559,7 +2559,7 @@
           <a:p>
             <a:fld id="{646163D0-A49E-4325-992D-E5C25FCE4570}" type="datetimeFigureOut">
               <a:rPr lang="es-ES" smtClean="0"/>
-              <a:t>18/2/22</a:t>
+              <a:t>21/2/22</a:t>
             </a:fld>
             <a:endParaRPr lang="es-ES"/>
           </a:p>
